--- a/presentation/Smart_Home_Safety_System_Presentation.pptx
+++ b/presentation/Smart_Home_Safety_System_Presentation.pptx
@@ -1971,7 +1971,7 @@
                 <a:ea typeface="Calibri" pitchFamily="34" charset="-122"/>
                 <a:cs typeface="Calibri" pitchFamily="34" charset="-120"/>
               </a:rPr>
-              <a:t>Our Solution</a:t>
+              <a:t>Solution</a:t>
             </a:r>
             <a:endParaRPr lang="en-US" sz="1600" dirty="0"/>
           </a:p>
@@ -1985,7 +1985,7 @@
         </p:nvSpPr>
         <p:spPr>
           <a:xfrm>
-            <a:off x="5029200" y="2103120"/>
+            <a:off x="5029200" y="1828800"/>
             <a:ext cx="3657600" cy="1828800"/>
           </a:xfrm>
           <a:prstGeom prst="rect">
@@ -6654,7 +6654,29 @@
                 <a:ea typeface="Calibri" pitchFamily="34" charset="-122"/>
                 <a:cs typeface="Calibri" pitchFamily="34" charset="-120"/>
               </a:rPr>
-              <a:t> 961 lines across 9 Python modules</a:t>
+              <a:t> 9</a:t>
+            </a:r>
+            <a:r>
+              <a:rPr lang="tr-TR" sz="1300" dirty="0">
+                <a:solidFill>
+                  <a:srgbClr val="1E293B"/>
+                </a:solidFill>
+                <a:latin typeface="Calibri" pitchFamily="34" charset="0"/>
+                <a:ea typeface="Calibri" pitchFamily="34" charset="-122"/>
+                <a:cs typeface="Calibri" pitchFamily="34" charset="-120"/>
+              </a:rPr>
+              <a:t>50+</a:t>
+            </a:r>
+            <a:r>
+              <a:rPr lang="en-US" sz="1300" dirty="0">
+                <a:solidFill>
+                  <a:srgbClr val="1E293B"/>
+                </a:solidFill>
+                <a:latin typeface="Calibri" pitchFamily="34" charset="0"/>
+                <a:ea typeface="Calibri" pitchFamily="34" charset="-122"/>
+                <a:cs typeface="Calibri" pitchFamily="34" charset="-120"/>
+              </a:rPr>
+              <a:t> lines across 9 Python modules</a:t>
             </a:r>
             <a:endParaRPr lang="en-US" sz="1300" dirty="0"/>
           </a:p>
@@ -8053,7 +8075,7 @@
                 <a:ea typeface="Calibri" pitchFamily="34" charset="-122"/>
                 <a:cs typeface="Calibri" pitchFamily="34" charset="-120"/>
               </a:rPr>
-              <a:t>✓ Fully functional IoT safety system</a:t>
+              <a:t>✓ Functional IoT safety system</a:t>
             </a:r>
             <a:endParaRPr lang="en-US" sz="1300" dirty="0"/>
           </a:p>
